--- a/Skin Lesion Analyzer using CNN.pptx
+++ b/Skin Lesion Analyzer using CNN.pptx
@@ -11,13 +11,14 @@
     <p:sldId id="259" r:id="rId5"/>
     <p:sldId id="260" r:id="rId6"/>
     <p:sldId id="261" r:id="rId7"/>
-    <p:sldId id="262" r:id="rId8"/>
-    <p:sldId id="263" r:id="rId9"/>
-    <p:sldId id="264" r:id="rId10"/>
-    <p:sldId id="265" r:id="rId11"/>
-    <p:sldId id="268" r:id="rId12"/>
-    <p:sldId id="266" r:id="rId13"/>
-    <p:sldId id="267" r:id="rId14"/>
+    <p:sldId id="269" r:id="rId8"/>
+    <p:sldId id="262" r:id="rId9"/>
+    <p:sldId id="263" r:id="rId10"/>
+    <p:sldId id="264" r:id="rId11"/>
+    <p:sldId id="265" r:id="rId12"/>
+    <p:sldId id="268" r:id="rId13"/>
+    <p:sldId id="266" r:id="rId14"/>
+    <p:sldId id="267" r:id="rId15"/>
   </p:sldIdLst>
   <p:sldSz cx="12192000" cy="6858000"/>
   <p:notesSz cx="6858000" cy="9144000"/>
@@ -374,7 +375,7 @@
           <a:p>
             <a:fld id="{ED291B17-9318-49DB-B28B-6E5994AE9581}" type="datetime1">
               <a:rPr lang="en-US" smtClean="0"/>
-              <a:t>9/17/2020</a:t>
+              <a:t>3/19/2021</a:t>
             </a:fld>
             <a:endParaRPr lang="en-US" dirty="0"/>
           </a:p>
@@ -577,7 +578,7 @@
           <a:p>
             <a:fld id="{2CED4963-E985-44C4-B8C4-FDD613B7C2F8}" type="datetime1">
               <a:rPr lang="en-US" smtClean="0"/>
-              <a:t>9/17/2020</a:t>
+              <a:t>3/19/2021</a:t>
             </a:fld>
             <a:endParaRPr lang="en-US" dirty="0"/>
           </a:p>
@@ -939,7 +940,7 @@
           <a:p>
             <a:fld id="{ED291B17-9318-49DB-B28B-6E5994AE9581}" type="datetime1">
               <a:rPr lang="en-US" smtClean="0"/>
-              <a:t>9/17/2020</a:t>
+              <a:t>3/19/2021</a:t>
             </a:fld>
             <a:endParaRPr lang="en-US" dirty="0"/>
           </a:p>
@@ -1137,7 +1138,7 @@
           <a:p>
             <a:fld id="{78DD82B9-B8EE-4375-B6FF-88FA6ABB15D9}" type="datetime1">
               <a:rPr lang="en-US" smtClean="0"/>
-              <a:t>9/17/2020</a:t>
+              <a:t>3/19/2021</a:t>
             </a:fld>
             <a:endParaRPr lang="en-US" dirty="0"/>
           </a:p>
@@ -1449,7 +1450,7 @@
           <a:p>
             <a:fld id="{B2497495-0637-405E-AE64-5CC7506D51F5}" type="datetime1">
               <a:rPr lang="en-US" smtClean="0"/>
-              <a:t>9/17/2020</a:t>
+              <a:t>3/19/2021</a:t>
             </a:fld>
             <a:endParaRPr lang="en-US" dirty="0"/>
           </a:p>
@@ -1702,7 +1703,7 @@
           <a:p>
             <a:fld id="{7BFFD690-9426-415D-8B65-26881E07B2D4}" type="datetime1">
               <a:rPr lang="en-US" smtClean="0"/>
-              <a:t>9/17/2020</a:t>
+              <a:t>3/19/2021</a:t>
             </a:fld>
             <a:endParaRPr lang="en-US" dirty="0"/>
           </a:p>
@@ -2124,7 +2125,7 @@
           <a:p>
             <a:fld id="{04C4989A-474C-40DE-95B9-011C28B71673}" type="datetime1">
               <a:rPr lang="en-US" smtClean="0"/>
-              <a:t>9/17/2020</a:t>
+              <a:t>3/19/2021</a:t>
             </a:fld>
             <a:endParaRPr lang="en-US" dirty="0"/>
           </a:p>
@@ -2247,7 +2248,7 @@
           <a:p>
             <a:fld id="{5DB4ED54-5B5E-4A04-93D3-5772E3CE3818}" type="datetime1">
               <a:rPr lang="en-US" smtClean="0"/>
-              <a:t>9/17/2020</a:t>
+              <a:t>3/19/2021</a:t>
             </a:fld>
             <a:endParaRPr lang="en-US" dirty="0"/>
           </a:p>
@@ -2342,7 +2343,7 @@
           <a:p>
             <a:fld id="{4EDE50D6-574B-40AF-946F-D52A04ADE379}" type="datetime1">
               <a:rPr lang="en-US" smtClean="0"/>
-              <a:t>9/17/2020</a:t>
+              <a:t>3/19/2021</a:t>
             </a:fld>
             <a:endParaRPr lang="en-US" dirty="0"/>
           </a:p>
@@ -2719,7 +2720,7 @@
           <a:p>
             <a:fld id="{D82884F1-FFEA-405F-9602-3DCA865EDA4E}" type="datetime1">
               <a:rPr lang="en-US" smtClean="0"/>
-              <a:t>9/17/2020</a:t>
+              <a:t>3/19/2021</a:t>
             </a:fld>
             <a:endParaRPr lang="en-US" dirty="0"/>
           </a:p>
@@ -3012,7 +3013,7 @@
           <a:p>
             <a:fld id="{7E18DB4A-8810-4A10-AD5C-D5E2C667F5B3}" type="datetime1">
               <a:rPr lang="en-US" smtClean="0"/>
-              <a:t>9/17/2020</a:t>
+              <a:t>3/19/2021</a:t>
             </a:fld>
             <a:endParaRPr lang="en-US" dirty="0"/>
           </a:p>
@@ -3227,7 +3228,7 @@
           <a:p>
             <a:fld id="{ED291B17-9318-49DB-B28B-6E5994AE9581}" type="datetime1">
               <a:rPr lang="en-US" smtClean="0"/>
-              <a:t>9/17/2020</a:t>
+              <a:t>3/19/2021</a:t>
             </a:fld>
             <a:endParaRPr lang="en-US" dirty="0"/>
           </a:p>
@@ -3900,7 +3901,7 @@
         </p:blipFill>
         <p:spPr>
           <a:xfrm>
-            <a:off x="-3047" y="10"/>
+            <a:off x="-472830" y="0"/>
             <a:ext cx="12191999" cy="6857990"/>
           </a:xfrm>
           <a:prstGeom prst="rect">
@@ -4073,7 +4074,7 @@
           <a:p>
             <a:pPr algn="ctr"/>
             <a:r>
-              <a:rPr lang="en-US" sz="1800" dirty="0">
+              <a:rPr lang="en-US" sz="2800" i="1" dirty="0">
                 <a:solidFill>
                   <a:schemeClr val="bg1"/>
                 </a:solidFill>
@@ -4084,7 +4085,7 @@
           <a:p>
             <a:pPr algn="ctr"/>
             <a:r>
-              <a:rPr lang="en-US" sz="1800" dirty="0" err="1">
+              <a:rPr lang="en-US" sz="2800" i="1" dirty="0" err="1">
                 <a:solidFill>
                   <a:schemeClr val="bg1"/>
                 </a:solidFill>
@@ -4092,7 +4093,7 @@
               <a:t>M.Tech</a:t>
             </a:r>
             <a:r>
-              <a:rPr lang="en-US" sz="1800" dirty="0">
+              <a:rPr lang="en-US" sz="2800" i="1" dirty="0">
                 <a:solidFill>
                   <a:schemeClr val="bg1"/>
                 </a:solidFill>
@@ -4204,7 +4205,7 @@
           <p:cNvPr id="2" name="Title 1">
             <a:extLst>
               <a:ext uri="{FF2B5EF4-FFF2-40B4-BE49-F238E27FC236}">
-                <a16:creationId xmlns:a16="http://schemas.microsoft.com/office/drawing/2014/main" id="{0598F598-D0B0-49BE-BF75-2319B99B0C27}"/>
+                <a16:creationId xmlns:a16="http://schemas.microsoft.com/office/drawing/2014/main" id="{104AFD5C-91C5-4B63-9108-D36A7EEA3B40}"/>
               </a:ext>
             </a:extLst>
           </p:cNvPr>
@@ -4215,14 +4216,19 @@
             <p:ph type="title"/>
           </p:nvPr>
         </p:nvSpPr>
-        <p:spPr/>
+        <p:spPr>
+          <a:xfrm>
+            <a:off x="765750" y="665237"/>
+            <a:ext cx="11029616" cy="505859"/>
+          </a:xfrm>
+        </p:spPr>
         <p:txBody>
           <a:bodyPr/>
           <a:lstStyle/>
           <a:p>
             <a:r>
               <a:rPr lang="en-US" dirty="0"/>
-              <a:t>Sample Outcome</a:t>
+              <a:t>Outcome / Result</a:t>
             </a:r>
           </a:p>
         </p:txBody>
@@ -4230,9 +4236,10 @@
       <p:pic>
         <p:nvPicPr>
           <p:cNvPr id="5" name="Content Placeholder 4">
+            <a:hlinkClick r:id="rId2" tooltip="Demonstration of skin lesion"/>
             <a:extLst>
               <a:ext uri="{FF2B5EF4-FFF2-40B4-BE49-F238E27FC236}">
-                <a16:creationId xmlns:a16="http://schemas.microsoft.com/office/drawing/2014/main" id="{FE59CF47-4460-4CDC-9973-2AA873DC8182}"/>
+                <a16:creationId xmlns:a16="http://schemas.microsoft.com/office/drawing/2014/main" id="{B13EC731-05F9-4D33-BDE9-89E2A327B56F}"/>
               </a:ext>
             </a:extLst>
           </p:cNvPr>
@@ -4244,22 +4251,379 @@
           </p:nvPr>
         </p:nvPicPr>
         <p:blipFill>
-          <a:blip r:embed="rId2"/>
+          <a:blip r:embed="rId3"/>
           <a:stretch>
             <a:fillRect/>
           </a:stretch>
         </p:blipFill>
         <p:spPr>
           <a:xfrm>
-            <a:off x="2733675" y="1890877"/>
-            <a:ext cx="6762750" cy="4879040"/>
-          </a:xfrm>
+            <a:off x="446966" y="1265157"/>
+            <a:ext cx="4292814" cy="4699415"/>
+          </a:xfrm>
+          <a:prstGeom prst="rect">
+            <a:avLst/>
+          </a:prstGeom>
+          <a:ln>
+            <a:noFill/>
+          </a:ln>
+          <a:effectLst>
+            <a:outerShdw blurRad="292100" dist="139700" dir="2700000" algn="tl" rotWithShape="0">
+              <a:srgbClr val="333333">
+                <a:alpha val="65000"/>
+              </a:srgbClr>
+            </a:outerShdw>
+          </a:effectLst>
         </p:spPr>
       </p:pic>
+      <p:cxnSp>
+        <p:nvCxnSpPr>
+          <p:cNvPr id="7" name="Straight Arrow Connector 6">
+            <a:extLst>
+              <a:ext uri="{FF2B5EF4-FFF2-40B4-BE49-F238E27FC236}">
+                <a16:creationId xmlns:a16="http://schemas.microsoft.com/office/drawing/2014/main" id="{6DD4F2D5-CB42-40D6-88CB-D5200E48633D}"/>
+              </a:ext>
+            </a:extLst>
+          </p:cNvPr>
+          <p:cNvCxnSpPr/>
+          <p:nvPr/>
+        </p:nvCxnSpPr>
+        <p:spPr>
+          <a:xfrm>
+            <a:off x="3624044" y="3875714"/>
+            <a:ext cx="763398" cy="0"/>
+          </a:xfrm>
+          <a:prstGeom prst="straightConnector1">
+            <a:avLst/>
+          </a:prstGeom>
+          <a:ln>
+            <a:tailEnd type="triangle"/>
+          </a:ln>
+        </p:spPr>
+        <p:style>
+          <a:lnRef idx="1">
+            <a:schemeClr val="accent1"/>
+          </a:lnRef>
+          <a:fillRef idx="0">
+            <a:schemeClr val="accent1"/>
+          </a:fillRef>
+          <a:effectRef idx="0">
+            <a:schemeClr val="accent1"/>
+          </a:effectRef>
+          <a:fontRef idx="minor">
+            <a:schemeClr val="tx1"/>
+          </a:fontRef>
+        </p:style>
+      </p:cxnSp>
+      <p:sp>
+        <p:nvSpPr>
+          <p:cNvPr id="8" name="Rectangle 7">
+            <a:extLst>
+              <a:ext uri="{FF2B5EF4-FFF2-40B4-BE49-F238E27FC236}">
+                <a16:creationId xmlns:a16="http://schemas.microsoft.com/office/drawing/2014/main" id="{47B10F39-31C3-4675-8FCF-CAE56DA3B3A9}"/>
+              </a:ext>
+            </a:extLst>
+          </p:cNvPr>
+          <p:cNvSpPr/>
+          <p:nvPr/>
+        </p:nvSpPr>
+        <p:spPr>
+          <a:xfrm>
+            <a:off x="4387442" y="3665988"/>
+            <a:ext cx="2776756" cy="505857"/>
+          </a:xfrm>
+          <a:prstGeom prst="rect">
+            <a:avLst/>
+          </a:prstGeom>
+        </p:spPr>
+        <p:style>
+          <a:lnRef idx="2">
+            <a:schemeClr val="accent2"/>
+          </a:lnRef>
+          <a:fillRef idx="1">
+            <a:schemeClr val="lt1"/>
+          </a:fillRef>
+          <a:effectRef idx="0">
+            <a:schemeClr val="accent2"/>
+          </a:effectRef>
+          <a:fontRef idx="minor">
+            <a:schemeClr val="dk1"/>
+          </a:fontRef>
+        </p:style>
+        <p:txBody>
+          <a:bodyPr rtlCol="0" anchor="ctr"/>
+          <a:lstStyle/>
+          <a:p>
+            <a:pPr algn="ctr"/>
+            <a:r>
+              <a:rPr lang="en-US" dirty="0"/>
+              <a:t>Selection of Image from local Computer/ Mobile</a:t>
+            </a:r>
+          </a:p>
+        </p:txBody>
+      </p:sp>
+      <p:sp>
+        <p:nvSpPr>
+          <p:cNvPr id="12" name="Arrow: Right 11">
+            <a:extLst>
+              <a:ext uri="{FF2B5EF4-FFF2-40B4-BE49-F238E27FC236}">
+                <a16:creationId xmlns:a16="http://schemas.microsoft.com/office/drawing/2014/main" id="{F1C8B6C4-28E8-468B-942A-53FDB86A7FF5}"/>
+              </a:ext>
+            </a:extLst>
+          </p:cNvPr>
+          <p:cNvSpPr/>
+          <p:nvPr/>
+        </p:nvSpPr>
+        <p:spPr>
+          <a:xfrm>
+            <a:off x="3791824" y="4949505"/>
+            <a:ext cx="1015068" cy="251664"/>
+          </a:xfrm>
+          <a:prstGeom prst="rightArrow">
+            <a:avLst/>
+          </a:prstGeom>
+        </p:spPr>
+        <p:style>
+          <a:lnRef idx="2">
+            <a:schemeClr val="accent1">
+              <a:shade val="50000"/>
+            </a:schemeClr>
+          </a:lnRef>
+          <a:fillRef idx="1">
+            <a:schemeClr val="accent1"/>
+          </a:fillRef>
+          <a:effectRef idx="0">
+            <a:schemeClr val="accent1"/>
+          </a:effectRef>
+          <a:fontRef idx="minor">
+            <a:schemeClr val="lt1"/>
+          </a:fontRef>
+        </p:style>
+        <p:txBody>
+          <a:bodyPr rtlCol="0" anchor="ctr"/>
+          <a:lstStyle/>
+          <a:p>
+            <a:pPr algn="ctr"/>
+            <a:endParaRPr lang="en-US"/>
+          </a:p>
+        </p:txBody>
+      </p:sp>
+      <p:sp>
+        <p:nvSpPr>
+          <p:cNvPr id="13" name="Rectangle 12">
+            <a:extLst>
+              <a:ext uri="{FF2B5EF4-FFF2-40B4-BE49-F238E27FC236}">
+                <a16:creationId xmlns:a16="http://schemas.microsoft.com/office/drawing/2014/main" id="{31EBDC3F-97DF-4A6D-9C23-279744AE8270}"/>
+              </a:ext>
+            </a:extLst>
+          </p:cNvPr>
+          <p:cNvSpPr/>
+          <p:nvPr/>
+        </p:nvSpPr>
+        <p:spPr>
+          <a:xfrm>
+            <a:off x="5100505" y="4655890"/>
+            <a:ext cx="5201175" cy="671119"/>
+          </a:xfrm>
+          <a:prstGeom prst="rect">
+            <a:avLst/>
+          </a:prstGeom>
+        </p:spPr>
+        <p:style>
+          <a:lnRef idx="2">
+            <a:schemeClr val="dk1"/>
+          </a:lnRef>
+          <a:fillRef idx="1">
+            <a:schemeClr val="lt1"/>
+          </a:fillRef>
+          <a:effectRef idx="0">
+            <a:schemeClr val="dk1"/>
+          </a:effectRef>
+          <a:fontRef idx="minor">
+            <a:schemeClr val="dk1"/>
+          </a:fontRef>
+        </p:style>
+        <p:txBody>
+          <a:bodyPr rtlCol="0" anchor="ctr"/>
+          <a:lstStyle/>
+          <a:p>
+            <a:pPr algn="ctr"/>
+            <a:r>
+              <a:rPr lang="en-US" dirty="0"/>
+              <a:t>Probability of target class (Skin Disease)</a:t>
+            </a:r>
+          </a:p>
+          <a:p>
+            <a:pPr algn="ctr"/>
+            <a:r>
+              <a:rPr lang="en-US" dirty="0"/>
+              <a:t>** Here classify the  seven classes of disease</a:t>
+            </a:r>
+          </a:p>
+        </p:txBody>
+      </p:sp>
+      <p:sp>
+        <p:nvSpPr>
+          <p:cNvPr id="15" name="TextBox 14">
+            <a:extLst>
+              <a:ext uri="{FF2B5EF4-FFF2-40B4-BE49-F238E27FC236}">
+                <a16:creationId xmlns:a16="http://schemas.microsoft.com/office/drawing/2014/main" id="{A4869C92-A0A9-46F1-B522-893989953823}"/>
+              </a:ext>
+            </a:extLst>
+          </p:cNvPr>
+          <p:cNvSpPr txBox="1"/>
+          <p:nvPr/>
+        </p:nvSpPr>
+        <p:spPr>
+          <a:xfrm>
+            <a:off x="4806892" y="1263603"/>
+            <a:ext cx="7329881" cy="2308324"/>
+          </a:xfrm>
+          <a:prstGeom prst="rect">
+            <a:avLst/>
+          </a:prstGeom>
+        </p:spPr>
+        <p:style>
+          <a:lnRef idx="1">
+            <a:schemeClr val="accent6"/>
+          </a:lnRef>
+          <a:fillRef idx="2">
+            <a:schemeClr val="accent6"/>
+          </a:fillRef>
+          <a:effectRef idx="1">
+            <a:schemeClr val="accent6"/>
+          </a:effectRef>
+          <a:fontRef idx="minor">
+            <a:schemeClr val="dk1"/>
+          </a:fontRef>
+        </p:style>
+        <p:txBody>
+          <a:bodyPr wrap="square">
+            <a:spAutoFit/>
+          </a:bodyPr>
+          <a:lstStyle/>
+          <a:p>
+            <a:r>
+              <a:rPr lang="en-US" sz="1600" b="1" i="1" dirty="0"/>
+              <a:t>Classes of Skin lesion</a:t>
+            </a:r>
+          </a:p>
+          <a:p>
+            <a:pPr marL="342900" indent="-342900">
+              <a:buFont typeface="+mj-lt"/>
+              <a:buAutoNum type="arabicPeriod"/>
+            </a:pPr>
+            <a:r>
+              <a:rPr lang="en-US" sz="1600" dirty="0"/>
+              <a:t>'</a:t>
+            </a:r>
+            <a:r>
+              <a:rPr lang="en-US" sz="1600" dirty="0" err="1"/>
+              <a:t>akiec</a:t>
+            </a:r>
+            <a:r>
+              <a:rPr lang="en-US" sz="1600" dirty="0"/>
+              <a:t>, Actinic Keratoses (Solar Keratoses) or intraepithelial Carcinoma (Bowen’s disease)’,</a:t>
+            </a:r>
+          </a:p>
+          <a:p>
+            <a:pPr marL="342900" indent="-342900">
+              <a:buFont typeface="+mj-lt"/>
+              <a:buAutoNum type="arabicPeriod"/>
+            </a:pPr>
+            <a:r>
+              <a:rPr lang="en-US" sz="1600" dirty="0"/>
+              <a:t> 'bcc, Basal Cell Carcinoma’, </a:t>
+            </a:r>
+          </a:p>
+          <a:p>
+            <a:pPr marL="342900" indent="-342900">
+              <a:buFont typeface="+mj-lt"/>
+              <a:buAutoNum type="arabicPeriod"/>
+            </a:pPr>
+            <a:r>
+              <a:rPr lang="en-US" sz="1600" dirty="0"/>
+              <a:t> '</a:t>
+            </a:r>
+            <a:r>
+              <a:rPr lang="en-US" sz="1600" dirty="0" err="1"/>
+              <a:t>bkl</a:t>
+            </a:r>
+            <a:r>
+              <a:rPr lang="en-US" sz="1600" dirty="0"/>
+              <a:t>, Benign Keratosis’, </a:t>
+            </a:r>
+          </a:p>
+          <a:p>
+            <a:pPr marL="342900" indent="-342900">
+              <a:buFont typeface="+mj-lt"/>
+              <a:buAutoNum type="arabicPeriod"/>
+            </a:pPr>
+            <a:r>
+              <a:rPr lang="en-US" sz="1600" dirty="0"/>
+              <a:t> 'df, Dermatofibroma’,  </a:t>
+            </a:r>
+          </a:p>
+          <a:p>
+            <a:pPr marL="342900" indent="-342900">
+              <a:buFont typeface="+mj-lt"/>
+              <a:buAutoNum type="arabicPeriod"/>
+            </a:pPr>
+            <a:r>
+              <a:rPr lang="en-US" sz="1600" dirty="0"/>
+              <a:t> '</a:t>
+            </a:r>
+            <a:r>
+              <a:rPr lang="en-US" sz="1600" dirty="0" err="1"/>
+              <a:t>mel</a:t>
+            </a:r>
+            <a:r>
+              <a:rPr lang="en-US" sz="1600" dirty="0"/>
+              <a:t>, Melanoma’,  </a:t>
+            </a:r>
+          </a:p>
+          <a:p>
+            <a:pPr marL="342900" indent="-342900">
+              <a:buFont typeface="+mj-lt"/>
+              <a:buAutoNum type="arabicPeriod"/>
+            </a:pPr>
+            <a:r>
+              <a:rPr lang="en-US" sz="1600" dirty="0"/>
+              <a:t> '</a:t>
+            </a:r>
+            <a:r>
+              <a:rPr lang="en-US" sz="1600" dirty="0" err="1"/>
+              <a:t>nv</a:t>
+            </a:r>
+            <a:r>
+              <a:rPr lang="en-US" sz="1600" dirty="0"/>
+              <a:t>, Melanocytic Nevi’,  </a:t>
+            </a:r>
+          </a:p>
+          <a:p>
+            <a:pPr marL="342900" indent="-342900">
+              <a:buFont typeface="+mj-lt"/>
+              <a:buAutoNum type="arabicPeriod"/>
+            </a:pPr>
+            <a:r>
+              <a:rPr lang="en-US" sz="1600" dirty="0"/>
+              <a:t> '</a:t>
+            </a:r>
+            <a:r>
+              <a:rPr lang="en-US" sz="1600" dirty="0" err="1"/>
+              <a:t>vasc</a:t>
+            </a:r>
+            <a:r>
+              <a:rPr lang="en-US" sz="1600" dirty="0"/>
+              <a:t>, Vascular skin lesion'</a:t>
+            </a:r>
+          </a:p>
+        </p:txBody>
+      </p:sp>
     </p:spTree>
     <p:extLst>
       <p:ext uri="{BB962C8B-B14F-4D97-AF65-F5344CB8AC3E}">
-        <p14:creationId xmlns:p14="http://schemas.microsoft.com/office/powerpoint/2010/main" val="1917297631"/>
+        <p14:creationId xmlns:p14="http://schemas.microsoft.com/office/powerpoint/2010/main" val="2826936019"/>
       </p:ext>
     </p:extLst>
   </p:cSld>
@@ -4291,7 +4655,7 @@
           <p:cNvPr id="2" name="Title 1">
             <a:extLst>
               <a:ext uri="{FF2B5EF4-FFF2-40B4-BE49-F238E27FC236}">
-                <a16:creationId xmlns:a16="http://schemas.microsoft.com/office/drawing/2014/main" id="{CC882DC3-4455-42F3-8C57-7F3007634A75}"/>
+                <a16:creationId xmlns:a16="http://schemas.microsoft.com/office/drawing/2014/main" id="{0598F598-D0B0-49BE-BF75-2319B99B0C27}"/>
               </a:ext>
             </a:extLst>
           </p:cNvPr>
@@ -4309,179 +4673,44 @@
           <a:p>
             <a:r>
               <a:rPr lang="en-US" dirty="0"/>
-              <a:t>requirement</a:t>
-            </a:r>
-          </a:p>
-        </p:txBody>
-      </p:sp>
-      <p:sp>
-        <p:nvSpPr>
-          <p:cNvPr id="3" name="Content Placeholder 2">
+              <a:t>Sample Outcome</a:t>
+            </a:r>
+          </a:p>
+        </p:txBody>
+      </p:sp>
+      <p:pic>
+        <p:nvPicPr>
+          <p:cNvPr id="5" name="Content Placeholder 4">
             <a:extLst>
               <a:ext uri="{FF2B5EF4-FFF2-40B4-BE49-F238E27FC236}">
-                <a16:creationId xmlns:a16="http://schemas.microsoft.com/office/drawing/2014/main" id="{CE1669B5-4A51-4B6F-9214-64CE98D3E2CC}"/>
+                <a16:creationId xmlns:a16="http://schemas.microsoft.com/office/drawing/2014/main" id="{FE59CF47-4460-4CDC-9973-2AA873DC8182}"/>
               </a:ext>
             </a:extLst>
           </p:cNvPr>
-          <p:cNvSpPr>
-            <a:spLocks noGrp="1"/>
-          </p:cNvSpPr>
+          <p:cNvPicPr>
+            <a:picLocks noGrp="1" noChangeAspect="1"/>
+          </p:cNvPicPr>
           <p:nvPr>
             <p:ph idx="1"/>
           </p:nvPr>
-        </p:nvSpPr>
-        <p:spPr/>
-        <p:txBody>
-          <a:bodyPr>
-            <a:normAutofit/>
-          </a:bodyPr>
-          <a:lstStyle/>
-          <a:p>
-            <a:r>
-              <a:rPr lang="en-US" sz="2000" dirty="0">
-                <a:effectLst>
-                  <a:outerShdw blurRad="38100" dist="38100" dir="2700000" algn="tl">
-                    <a:srgbClr val="000000">
-                      <a:alpha val="43137"/>
-                    </a:srgbClr>
-                  </a:outerShdw>
-                </a:effectLst>
-              </a:rPr>
-              <a:t>Image dataset( Collection of  data  from various lab)</a:t>
-            </a:r>
-          </a:p>
-          <a:p>
-            <a:r>
-              <a:rPr lang="en-US" sz="2000" dirty="0">
-                <a:effectLst>
-                  <a:outerShdw blurRad="38100" dist="38100" dir="2700000" algn="tl">
-                    <a:srgbClr val="000000">
-                      <a:alpha val="43137"/>
-                    </a:srgbClr>
-                  </a:outerShdw>
-                </a:effectLst>
-              </a:rPr>
-              <a:t>Cloud platform ( AWS, Google, Azure, IBM)</a:t>
-            </a:r>
-          </a:p>
-          <a:p>
-            <a:r>
-              <a:rPr lang="en-US" sz="2000" dirty="0">
-                <a:effectLst>
-                  <a:outerShdw blurRad="38100" dist="38100" dir="2700000" algn="tl">
-                    <a:srgbClr val="000000">
-                      <a:alpha val="43137"/>
-                    </a:srgbClr>
-                  </a:outerShdw>
-                </a:effectLst>
-              </a:rPr>
-              <a:t>Workstation (i5 processor, 8GB RAM, Nvidia graphics card-2GB)</a:t>
-            </a:r>
-          </a:p>
-          <a:p>
-            <a:r>
-              <a:rPr lang="en-US" sz="2000" dirty="0">
-                <a:effectLst>
-                  <a:outerShdw blurRad="38100" dist="38100" dir="2700000" algn="tl">
-                    <a:srgbClr val="000000">
-                      <a:alpha val="43137"/>
-                    </a:srgbClr>
-                  </a:outerShdw>
-                </a:effectLst>
-              </a:rPr>
-              <a:t>Dermoscopic Device( Capture the skin lesion image)</a:t>
-            </a:r>
-          </a:p>
-          <a:p>
-            <a:r>
-              <a:rPr lang="en-US" sz="2000" dirty="0">
-                <a:effectLst>
-                  <a:outerShdw blurRad="38100" dist="38100" dir="2700000" algn="tl">
-                    <a:srgbClr val="000000">
-                      <a:alpha val="43137"/>
-                    </a:srgbClr>
-                  </a:outerShdw>
-                </a:effectLst>
-              </a:rPr>
-              <a:t>Programming Language: Python, HTML, CSS, JavaScript </a:t>
-            </a:r>
-            <a:r>
-              <a:rPr lang="en-US" sz="2000" dirty="0" err="1">
-                <a:effectLst>
-                  <a:outerShdw blurRad="38100" dist="38100" dir="2700000" algn="tl">
-                    <a:srgbClr val="000000">
-                      <a:alpha val="43137"/>
-                    </a:srgbClr>
-                  </a:outerShdw>
-                </a:effectLst>
-              </a:rPr>
-              <a:t>etc</a:t>
-            </a:r>
-            <a:endParaRPr lang="en-US" sz="2000" dirty="0">
-              <a:effectLst>
-                <a:outerShdw blurRad="38100" dist="38100" dir="2700000" algn="tl">
-                  <a:srgbClr val="000000">
-                    <a:alpha val="43137"/>
-                  </a:srgbClr>
-                </a:outerShdw>
-              </a:effectLst>
-            </a:endParaRPr>
-          </a:p>
-          <a:p>
-            <a:r>
-              <a:rPr lang="en-US" sz="2000" dirty="0">
-                <a:effectLst>
-                  <a:outerShdw blurRad="38100" dist="38100" dir="2700000" algn="tl">
-                    <a:srgbClr val="000000">
-                      <a:alpha val="43137"/>
-                    </a:srgbClr>
-                  </a:outerShdw>
-                </a:effectLst>
-              </a:rPr>
-              <a:t>Database: mongo dB, </a:t>
-            </a:r>
-            <a:r>
-              <a:rPr lang="en-US" sz="2000" dirty="0" err="1">
-                <a:effectLst>
-                  <a:outerShdw blurRad="38100" dist="38100" dir="2700000" algn="tl">
-                    <a:srgbClr val="000000">
-                      <a:alpha val="43137"/>
-                    </a:srgbClr>
-                  </a:outerShdw>
-                </a:effectLst>
-              </a:rPr>
-              <a:t>NoSql</a:t>
-            </a:r>
-            <a:endParaRPr lang="en-US" sz="2000" dirty="0">
-              <a:effectLst>
-                <a:outerShdw blurRad="38100" dist="38100" dir="2700000" algn="tl">
-                  <a:srgbClr val="000000">
-                    <a:alpha val="43137"/>
-                  </a:srgbClr>
-                </a:outerShdw>
-              </a:effectLst>
-            </a:endParaRPr>
-          </a:p>
-          <a:p>
-            <a:r>
-              <a:rPr lang="en-US" sz="2000" dirty="0">
-                <a:effectLst>
-                  <a:outerShdw blurRad="38100" dist="38100" dir="2700000" algn="tl">
-                    <a:srgbClr val="000000">
-                      <a:alpha val="43137"/>
-                    </a:srgbClr>
-                  </a:outerShdw>
-                </a:effectLst>
-              </a:rPr>
-              <a:t>Domain expert : Skin disease specialist (Doctor, Pathologist)</a:t>
-            </a:r>
-          </a:p>
-        </p:txBody>
-      </p:sp>
+        </p:nvPicPr>
+        <p:blipFill>
+          <a:blip r:embed="rId2"/>
+          <a:stretch>
+            <a:fillRect/>
+          </a:stretch>
+        </p:blipFill>
+        <p:spPr>
+          <a:xfrm>
+            <a:off x="2733675" y="1890877"/>
+            <a:ext cx="6762750" cy="4879040"/>
+          </a:xfrm>
+        </p:spPr>
+      </p:pic>
     </p:spTree>
     <p:extLst>
       <p:ext uri="{BB962C8B-B14F-4D97-AF65-F5344CB8AC3E}">
-        <p14:creationId xmlns:p14="http://schemas.microsoft.com/office/powerpoint/2010/main" val="2632312985"/>
+        <p14:creationId xmlns:p14="http://schemas.microsoft.com/office/powerpoint/2010/main" val="1917297631"/>
       </p:ext>
     </p:extLst>
   </p:cSld>
@@ -4513,6 +4742,228 @@
           <p:cNvPr id="2" name="Title 1">
             <a:extLst>
               <a:ext uri="{FF2B5EF4-FFF2-40B4-BE49-F238E27FC236}">
+                <a16:creationId xmlns:a16="http://schemas.microsoft.com/office/drawing/2014/main" id="{CC882DC3-4455-42F3-8C57-7F3007634A75}"/>
+              </a:ext>
+            </a:extLst>
+          </p:cNvPr>
+          <p:cNvSpPr>
+            <a:spLocks noGrp="1"/>
+          </p:cNvSpPr>
+          <p:nvPr>
+            <p:ph type="title"/>
+          </p:nvPr>
+        </p:nvSpPr>
+        <p:spPr/>
+        <p:txBody>
+          <a:bodyPr/>
+          <a:lstStyle/>
+          <a:p>
+            <a:r>
+              <a:rPr lang="en-US" dirty="0"/>
+              <a:t>requirement</a:t>
+            </a:r>
+          </a:p>
+        </p:txBody>
+      </p:sp>
+      <p:sp>
+        <p:nvSpPr>
+          <p:cNvPr id="3" name="Content Placeholder 2">
+            <a:extLst>
+              <a:ext uri="{FF2B5EF4-FFF2-40B4-BE49-F238E27FC236}">
+                <a16:creationId xmlns:a16="http://schemas.microsoft.com/office/drawing/2014/main" id="{CE1669B5-4A51-4B6F-9214-64CE98D3E2CC}"/>
+              </a:ext>
+            </a:extLst>
+          </p:cNvPr>
+          <p:cNvSpPr>
+            <a:spLocks noGrp="1"/>
+          </p:cNvSpPr>
+          <p:nvPr>
+            <p:ph idx="1"/>
+          </p:nvPr>
+        </p:nvSpPr>
+        <p:spPr/>
+        <p:txBody>
+          <a:bodyPr>
+            <a:normAutofit/>
+          </a:bodyPr>
+          <a:lstStyle/>
+          <a:p>
+            <a:r>
+              <a:rPr lang="en-US" sz="2000" dirty="0">
+                <a:effectLst>
+                  <a:outerShdw blurRad="38100" dist="38100" dir="2700000" algn="tl">
+                    <a:srgbClr val="000000">
+                      <a:alpha val="43137"/>
+                    </a:srgbClr>
+                  </a:outerShdw>
+                </a:effectLst>
+              </a:rPr>
+              <a:t>Image dataset( Collection of  data  from various lab)</a:t>
+            </a:r>
+          </a:p>
+          <a:p>
+            <a:r>
+              <a:rPr lang="en-US" sz="2000" dirty="0">
+                <a:effectLst>
+                  <a:outerShdw blurRad="38100" dist="38100" dir="2700000" algn="tl">
+                    <a:srgbClr val="000000">
+                      <a:alpha val="43137"/>
+                    </a:srgbClr>
+                  </a:outerShdw>
+                </a:effectLst>
+              </a:rPr>
+              <a:t>Cloud platform ( AWS, Google, Azure, IBM)</a:t>
+            </a:r>
+          </a:p>
+          <a:p>
+            <a:r>
+              <a:rPr lang="en-US" sz="2000" dirty="0">
+                <a:effectLst>
+                  <a:outerShdw blurRad="38100" dist="38100" dir="2700000" algn="tl">
+                    <a:srgbClr val="000000">
+                      <a:alpha val="43137"/>
+                    </a:srgbClr>
+                  </a:outerShdw>
+                </a:effectLst>
+              </a:rPr>
+              <a:t>Workstation (i5 processor, 8GB RAM, Nvidia graphics card-2GB)</a:t>
+            </a:r>
+          </a:p>
+          <a:p>
+            <a:r>
+              <a:rPr lang="en-US" sz="2000" dirty="0">
+                <a:effectLst>
+                  <a:outerShdw blurRad="38100" dist="38100" dir="2700000" algn="tl">
+                    <a:srgbClr val="000000">
+                      <a:alpha val="43137"/>
+                    </a:srgbClr>
+                  </a:outerShdw>
+                </a:effectLst>
+              </a:rPr>
+              <a:t>Dermoscopic Device( Capture the skin lesion image)</a:t>
+            </a:r>
+          </a:p>
+          <a:p>
+            <a:r>
+              <a:rPr lang="en-US" sz="2000" dirty="0">
+                <a:effectLst>
+                  <a:outerShdw blurRad="38100" dist="38100" dir="2700000" algn="tl">
+                    <a:srgbClr val="000000">
+                      <a:alpha val="43137"/>
+                    </a:srgbClr>
+                  </a:outerShdw>
+                </a:effectLst>
+              </a:rPr>
+              <a:t>Programming Language: Python, HTML, CSS, JavaScript </a:t>
+            </a:r>
+            <a:r>
+              <a:rPr lang="en-US" sz="2000" dirty="0" err="1">
+                <a:effectLst>
+                  <a:outerShdw blurRad="38100" dist="38100" dir="2700000" algn="tl">
+                    <a:srgbClr val="000000">
+                      <a:alpha val="43137"/>
+                    </a:srgbClr>
+                  </a:outerShdw>
+                </a:effectLst>
+              </a:rPr>
+              <a:t>etc</a:t>
+            </a:r>
+            <a:endParaRPr lang="en-US" sz="2000" dirty="0">
+              <a:effectLst>
+                <a:outerShdw blurRad="38100" dist="38100" dir="2700000" algn="tl">
+                  <a:srgbClr val="000000">
+                    <a:alpha val="43137"/>
+                  </a:srgbClr>
+                </a:outerShdw>
+              </a:effectLst>
+            </a:endParaRPr>
+          </a:p>
+          <a:p>
+            <a:r>
+              <a:rPr lang="en-US" sz="2000" dirty="0">
+                <a:effectLst>
+                  <a:outerShdw blurRad="38100" dist="38100" dir="2700000" algn="tl">
+                    <a:srgbClr val="000000">
+                      <a:alpha val="43137"/>
+                    </a:srgbClr>
+                  </a:outerShdw>
+                </a:effectLst>
+              </a:rPr>
+              <a:t>Database: mongo dB, </a:t>
+            </a:r>
+            <a:r>
+              <a:rPr lang="en-US" sz="2000" dirty="0" err="1">
+                <a:effectLst>
+                  <a:outerShdw blurRad="38100" dist="38100" dir="2700000" algn="tl">
+                    <a:srgbClr val="000000">
+                      <a:alpha val="43137"/>
+                    </a:srgbClr>
+                  </a:outerShdw>
+                </a:effectLst>
+              </a:rPr>
+              <a:t>NoSql</a:t>
+            </a:r>
+            <a:endParaRPr lang="en-US" sz="2000" dirty="0">
+              <a:effectLst>
+                <a:outerShdw blurRad="38100" dist="38100" dir="2700000" algn="tl">
+                  <a:srgbClr val="000000">
+                    <a:alpha val="43137"/>
+                  </a:srgbClr>
+                </a:outerShdw>
+              </a:effectLst>
+            </a:endParaRPr>
+          </a:p>
+          <a:p>
+            <a:r>
+              <a:rPr lang="en-US" sz="2000" dirty="0">
+                <a:effectLst>
+                  <a:outerShdw blurRad="38100" dist="38100" dir="2700000" algn="tl">
+                    <a:srgbClr val="000000">
+                      <a:alpha val="43137"/>
+                    </a:srgbClr>
+                  </a:outerShdw>
+                </a:effectLst>
+              </a:rPr>
+              <a:t>Domain expert : Skin disease specialist (Doctor, Pathologist)</a:t>
+            </a:r>
+          </a:p>
+        </p:txBody>
+      </p:sp>
+    </p:spTree>
+    <p:extLst>
+      <p:ext uri="{BB962C8B-B14F-4D97-AF65-F5344CB8AC3E}">
+        <p14:creationId xmlns:p14="http://schemas.microsoft.com/office/powerpoint/2010/main" val="2632312985"/>
+      </p:ext>
+    </p:extLst>
+  </p:cSld>
+  <p:clrMapOvr>
+    <a:masterClrMapping/>
+  </p:clrMapOvr>
+</p:sld>
+</file>
+
+<file path=ppt/slides/slide13.xml><?xml version="1.0" encoding="utf-8"?>
+<p:sld xmlns:a="http://schemas.openxmlformats.org/drawingml/2006/main" xmlns:r="http://schemas.openxmlformats.org/officeDocument/2006/relationships" xmlns:p="http://schemas.openxmlformats.org/presentationml/2006/main">
+  <p:cSld>
+    <p:spTree>
+      <p:nvGrpSpPr>
+        <p:cNvPr id="1" name=""/>
+        <p:cNvGrpSpPr/>
+        <p:nvPr/>
+      </p:nvGrpSpPr>
+      <p:grpSpPr>
+        <a:xfrm>
+          <a:off x="0" y="0"/>
+          <a:ext cx="0" cy="0"/>
+          <a:chOff x="0" y="0"/>
+          <a:chExt cx="0" cy="0"/>
+        </a:xfrm>
+      </p:grpSpPr>
+      <p:sp>
+        <p:nvSpPr>
+          <p:cNvPr id="2" name="Title 1">
+            <a:extLst>
+              <a:ext uri="{FF2B5EF4-FFF2-40B4-BE49-F238E27FC236}">
                 <a16:creationId xmlns:a16="http://schemas.microsoft.com/office/drawing/2014/main" id="{53E75A4D-D4FD-445D-93B8-AD99825E657A}"/>
               </a:ext>
             </a:extLst>
@@ -4601,7 +5052,7 @@
 </p:sld>
 </file>
 
-<file path=ppt/slides/slide13.xml><?xml version="1.0" encoding="utf-8"?>
+<file path=ppt/slides/slide14.xml><?xml version="1.0" encoding="utf-8"?>
 <p:sld xmlns:a="http://schemas.openxmlformats.org/drawingml/2006/main" xmlns:r="http://schemas.openxmlformats.org/officeDocument/2006/relationships" xmlns:p="http://schemas.openxmlformats.org/presentationml/2006/main">
   <p:cSld>
     <p:spTree>
@@ -5396,7 +5847,7 @@
                   </a:outerShdw>
                 </a:effectLst>
               </a:rPr>
-              <a:t>Recommend possible tips and treatment</a:t>
+              <a:t>Recommend possible tips and treatment for medicine</a:t>
             </a:r>
             <a:r>
               <a:rPr lang="en-US" sz="2800" dirty="0"/>
@@ -5709,6 +6160,104 @@
           <p:cNvPr id="2" name="Title 1">
             <a:extLst>
               <a:ext uri="{FF2B5EF4-FFF2-40B4-BE49-F238E27FC236}">
+                <a16:creationId xmlns:a16="http://schemas.microsoft.com/office/drawing/2014/main" id="{B52A2006-2CEA-43CC-BEBC-27B3C5A3DC7A}"/>
+              </a:ext>
+            </a:extLst>
+          </p:cNvPr>
+          <p:cNvSpPr>
+            <a:spLocks noGrp="1"/>
+          </p:cNvSpPr>
+          <p:nvPr>
+            <p:ph type="title"/>
+          </p:nvPr>
+        </p:nvSpPr>
+        <p:spPr>
+          <a:xfrm>
+            <a:off x="581192" y="702156"/>
+            <a:ext cx="11029616" cy="673638"/>
+          </a:xfrm>
+        </p:spPr>
+        <p:txBody>
+          <a:bodyPr/>
+          <a:lstStyle/>
+          <a:p>
+            <a:r>
+              <a:rPr lang="en-US" dirty="0"/>
+              <a:t>Life Cycle of DS USE CASE</a:t>
+            </a:r>
+          </a:p>
+        </p:txBody>
+      </p:sp>
+      <p:pic>
+        <p:nvPicPr>
+          <p:cNvPr id="5" name="Content Placeholder 4">
+            <a:extLst>
+              <a:ext uri="{FF2B5EF4-FFF2-40B4-BE49-F238E27FC236}">
+                <a16:creationId xmlns:a16="http://schemas.microsoft.com/office/drawing/2014/main" id="{D7A51D07-0A6E-41D6-A60F-A83F044AEFE2}"/>
+              </a:ext>
+            </a:extLst>
+          </p:cNvPr>
+          <p:cNvPicPr>
+            <a:picLocks noGrp="1" noChangeAspect="1"/>
+          </p:cNvPicPr>
+          <p:nvPr>
+            <p:ph idx="1"/>
+          </p:nvPr>
+        </p:nvPicPr>
+        <p:blipFill>
+          <a:blip r:embed="rId2">
+            <a:extLst>
+              <a:ext uri="{28A0092B-C50C-407E-A947-70E740481C1C}">
+                <a14:useLocalDpi xmlns:a14="http://schemas.microsoft.com/office/drawing/2010/main" val="0"/>
+              </a:ext>
+            </a:extLst>
+          </a:blip>
+          <a:stretch>
+            <a:fillRect/>
+          </a:stretch>
+        </p:blipFill>
+        <p:spPr>
+          <a:xfrm>
+            <a:off x="1224793" y="1552575"/>
+            <a:ext cx="8850385" cy="5020272"/>
+          </a:xfrm>
+        </p:spPr>
+      </p:pic>
+    </p:spTree>
+    <p:extLst>
+      <p:ext uri="{BB962C8B-B14F-4D97-AF65-F5344CB8AC3E}">
+        <p14:creationId xmlns:p14="http://schemas.microsoft.com/office/powerpoint/2010/main" val="1017979475"/>
+      </p:ext>
+    </p:extLst>
+  </p:cSld>
+  <p:clrMapOvr>
+    <a:masterClrMapping/>
+  </p:clrMapOvr>
+</p:sld>
+</file>
+
+<file path=ppt/slides/slide8.xml><?xml version="1.0" encoding="utf-8"?>
+<p:sld xmlns:a="http://schemas.openxmlformats.org/drawingml/2006/main" xmlns:r="http://schemas.openxmlformats.org/officeDocument/2006/relationships" xmlns:p="http://schemas.openxmlformats.org/presentationml/2006/main">
+  <p:cSld>
+    <p:spTree>
+      <p:nvGrpSpPr>
+        <p:cNvPr id="1" name=""/>
+        <p:cNvGrpSpPr/>
+        <p:nvPr/>
+      </p:nvGrpSpPr>
+      <p:grpSpPr>
+        <a:xfrm>
+          <a:off x="0" y="0"/>
+          <a:ext cx="0" cy="0"/>
+          <a:chOff x="0" y="0"/>
+          <a:chExt cx="0" cy="0"/>
+        </a:xfrm>
+      </p:grpSpPr>
+      <p:sp>
+        <p:nvSpPr>
+          <p:cNvPr id="2" name="Title 1">
+            <a:extLst>
+              <a:ext uri="{FF2B5EF4-FFF2-40B4-BE49-F238E27FC236}">
                 <a16:creationId xmlns:a16="http://schemas.microsoft.com/office/drawing/2014/main" id="{E3AE04FC-520E-4AAD-B925-DA06CB047607}"/>
               </a:ext>
             </a:extLst>
@@ -5934,7 +6483,7 @@
 </p:sld>
 </file>
 
-<file path=ppt/slides/slide8.xml><?xml version="1.0" encoding="utf-8"?>
+<file path=ppt/slides/slide9.xml><?xml version="1.0" encoding="utf-8"?>
 <p:sld xmlns:a="http://schemas.openxmlformats.org/drawingml/2006/main" xmlns:r="http://schemas.openxmlformats.org/officeDocument/2006/relationships" xmlns:p="http://schemas.openxmlformats.org/presentationml/2006/main">
   <p:cSld>
     <p:spTree>
@@ -6145,456 +6694,6 @@
     <p:extLst>
       <p:ext uri="{BB962C8B-B14F-4D97-AF65-F5344CB8AC3E}">
         <p14:creationId xmlns:p14="http://schemas.microsoft.com/office/powerpoint/2010/main" val="592249137"/>
-      </p:ext>
-    </p:extLst>
-  </p:cSld>
-  <p:clrMapOvr>
-    <a:masterClrMapping/>
-  </p:clrMapOvr>
-</p:sld>
-</file>
-
-<file path=ppt/slides/slide9.xml><?xml version="1.0" encoding="utf-8"?>
-<p:sld xmlns:a="http://schemas.openxmlformats.org/drawingml/2006/main" xmlns:r="http://schemas.openxmlformats.org/officeDocument/2006/relationships" xmlns:p="http://schemas.openxmlformats.org/presentationml/2006/main">
-  <p:cSld>
-    <p:spTree>
-      <p:nvGrpSpPr>
-        <p:cNvPr id="1" name=""/>
-        <p:cNvGrpSpPr/>
-        <p:nvPr/>
-      </p:nvGrpSpPr>
-      <p:grpSpPr>
-        <a:xfrm>
-          <a:off x="0" y="0"/>
-          <a:ext cx="0" cy="0"/>
-          <a:chOff x="0" y="0"/>
-          <a:chExt cx="0" cy="0"/>
-        </a:xfrm>
-      </p:grpSpPr>
-      <p:sp>
-        <p:nvSpPr>
-          <p:cNvPr id="2" name="Title 1">
-            <a:extLst>
-              <a:ext uri="{FF2B5EF4-FFF2-40B4-BE49-F238E27FC236}">
-                <a16:creationId xmlns:a16="http://schemas.microsoft.com/office/drawing/2014/main" id="{104AFD5C-91C5-4B63-9108-D36A7EEA3B40}"/>
-              </a:ext>
-            </a:extLst>
-          </p:cNvPr>
-          <p:cNvSpPr>
-            <a:spLocks noGrp="1"/>
-          </p:cNvSpPr>
-          <p:nvPr>
-            <p:ph type="title"/>
-          </p:nvPr>
-        </p:nvSpPr>
-        <p:spPr>
-          <a:xfrm>
-            <a:off x="765750" y="665237"/>
-            <a:ext cx="11029616" cy="505859"/>
-          </a:xfrm>
-        </p:spPr>
-        <p:txBody>
-          <a:bodyPr/>
-          <a:lstStyle/>
-          <a:p>
-            <a:r>
-              <a:rPr lang="en-US" dirty="0"/>
-              <a:t>Outcome / Result</a:t>
-            </a:r>
-          </a:p>
-        </p:txBody>
-      </p:sp>
-      <p:pic>
-        <p:nvPicPr>
-          <p:cNvPr id="5" name="Content Placeholder 4">
-            <a:hlinkClick r:id="rId2" tooltip="Demonstration of skin lesion"/>
-            <a:extLst>
-              <a:ext uri="{FF2B5EF4-FFF2-40B4-BE49-F238E27FC236}">
-                <a16:creationId xmlns:a16="http://schemas.microsoft.com/office/drawing/2014/main" id="{B13EC731-05F9-4D33-BDE9-89E2A327B56F}"/>
-              </a:ext>
-            </a:extLst>
-          </p:cNvPr>
-          <p:cNvPicPr>
-            <a:picLocks noGrp="1" noChangeAspect="1"/>
-          </p:cNvPicPr>
-          <p:nvPr>
-            <p:ph idx="1"/>
-          </p:nvPr>
-        </p:nvPicPr>
-        <p:blipFill>
-          <a:blip r:embed="rId3"/>
-          <a:stretch>
-            <a:fillRect/>
-          </a:stretch>
-        </p:blipFill>
-        <p:spPr>
-          <a:xfrm>
-            <a:off x="446966" y="1265157"/>
-            <a:ext cx="4292814" cy="4699415"/>
-          </a:xfrm>
-          <a:prstGeom prst="rect">
-            <a:avLst/>
-          </a:prstGeom>
-          <a:ln>
-            <a:noFill/>
-          </a:ln>
-          <a:effectLst>
-            <a:outerShdw blurRad="292100" dist="139700" dir="2700000" algn="tl" rotWithShape="0">
-              <a:srgbClr val="333333">
-                <a:alpha val="65000"/>
-              </a:srgbClr>
-            </a:outerShdw>
-          </a:effectLst>
-        </p:spPr>
-      </p:pic>
-      <p:cxnSp>
-        <p:nvCxnSpPr>
-          <p:cNvPr id="7" name="Straight Arrow Connector 6">
-            <a:extLst>
-              <a:ext uri="{FF2B5EF4-FFF2-40B4-BE49-F238E27FC236}">
-                <a16:creationId xmlns:a16="http://schemas.microsoft.com/office/drawing/2014/main" id="{6DD4F2D5-CB42-40D6-88CB-D5200E48633D}"/>
-              </a:ext>
-            </a:extLst>
-          </p:cNvPr>
-          <p:cNvCxnSpPr/>
-          <p:nvPr/>
-        </p:nvCxnSpPr>
-        <p:spPr>
-          <a:xfrm>
-            <a:off x="3624044" y="3875714"/>
-            <a:ext cx="763398" cy="0"/>
-          </a:xfrm>
-          <a:prstGeom prst="straightConnector1">
-            <a:avLst/>
-          </a:prstGeom>
-          <a:ln>
-            <a:tailEnd type="triangle"/>
-          </a:ln>
-        </p:spPr>
-        <p:style>
-          <a:lnRef idx="1">
-            <a:schemeClr val="accent1"/>
-          </a:lnRef>
-          <a:fillRef idx="0">
-            <a:schemeClr val="accent1"/>
-          </a:fillRef>
-          <a:effectRef idx="0">
-            <a:schemeClr val="accent1"/>
-          </a:effectRef>
-          <a:fontRef idx="minor">
-            <a:schemeClr val="tx1"/>
-          </a:fontRef>
-        </p:style>
-      </p:cxnSp>
-      <p:sp>
-        <p:nvSpPr>
-          <p:cNvPr id="8" name="Rectangle 7">
-            <a:extLst>
-              <a:ext uri="{FF2B5EF4-FFF2-40B4-BE49-F238E27FC236}">
-                <a16:creationId xmlns:a16="http://schemas.microsoft.com/office/drawing/2014/main" id="{47B10F39-31C3-4675-8FCF-CAE56DA3B3A9}"/>
-              </a:ext>
-            </a:extLst>
-          </p:cNvPr>
-          <p:cNvSpPr/>
-          <p:nvPr/>
-        </p:nvSpPr>
-        <p:spPr>
-          <a:xfrm>
-            <a:off x="4387442" y="3665988"/>
-            <a:ext cx="2776756" cy="505857"/>
-          </a:xfrm>
-          <a:prstGeom prst="rect">
-            <a:avLst/>
-          </a:prstGeom>
-        </p:spPr>
-        <p:style>
-          <a:lnRef idx="2">
-            <a:schemeClr val="accent2"/>
-          </a:lnRef>
-          <a:fillRef idx="1">
-            <a:schemeClr val="lt1"/>
-          </a:fillRef>
-          <a:effectRef idx="0">
-            <a:schemeClr val="accent2"/>
-          </a:effectRef>
-          <a:fontRef idx="minor">
-            <a:schemeClr val="dk1"/>
-          </a:fontRef>
-        </p:style>
-        <p:txBody>
-          <a:bodyPr rtlCol="0" anchor="ctr"/>
-          <a:lstStyle/>
-          <a:p>
-            <a:pPr algn="ctr"/>
-            <a:r>
-              <a:rPr lang="en-US" dirty="0"/>
-              <a:t>Selection of Image from local Computer/ Mobile</a:t>
-            </a:r>
-          </a:p>
-        </p:txBody>
-      </p:sp>
-      <p:sp>
-        <p:nvSpPr>
-          <p:cNvPr id="12" name="Arrow: Right 11">
-            <a:extLst>
-              <a:ext uri="{FF2B5EF4-FFF2-40B4-BE49-F238E27FC236}">
-                <a16:creationId xmlns:a16="http://schemas.microsoft.com/office/drawing/2014/main" id="{F1C8B6C4-28E8-468B-942A-53FDB86A7FF5}"/>
-              </a:ext>
-            </a:extLst>
-          </p:cNvPr>
-          <p:cNvSpPr/>
-          <p:nvPr/>
-        </p:nvSpPr>
-        <p:spPr>
-          <a:xfrm>
-            <a:off x="3791824" y="4949505"/>
-            <a:ext cx="1015068" cy="251664"/>
-          </a:xfrm>
-          <a:prstGeom prst="rightArrow">
-            <a:avLst/>
-          </a:prstGeom>
-        </p:spPr>
-        <p:style>
-          <a:lnRef idx="2">
-            <a:schemeClr val="accent1">
-              <a:shade val="50000"/>
-            </a:schemeClr>
-          </a:lnRef>
-          <a:fillRef idx="1">
-            <a:schemeClr val="accent1"/>
-          </a:fillRef>
-          <a:effectRef idx="0">
-            <a:schemeClr val="accent1"/>
-          </a:effectRef>
-          <a:fontRef idx="minor">
-            <a:schemeClr val="lt1"/>
-          </a:fontRef>
-        </p:style>
-        <p:txBody>
-          <a:bodyPr rtlCol="0" anchor="ctr"/>
-          <a:lstStyle/>
-          <a:p>
-            <a:pPr algn="ctr"/>
-            <a:endParaRPr lang="en-US"/>
-          </a:p>
-        </p:txBody>
-      </p:sp>
-      <p:sp>
-        <p:nvSpPr>
-          <p:cNvPr id="13" name="Rectangle 12">
-            <a:extLst>
-              <a:ext uri="{FF2B5EF4-FFF2-40B4-BE49-F238E27FC236}">
-                <a16:creationId xmlns:a16="http://schemas.microsoft.com/office/drawing/2014/main" id="{31EBDC3F-97DF-4A6D-9C23-279744AE8270}"/>
-              </a:ext>
-            </a:extLst>
-          </p:cNvPr>
-          <p:cNvSpPr/>
-          <p:nvPr/>
-        </p:nvSpPr>
-        <p:spPr>
-          <a:xfrm>
-            <a:off x="5100505" y="4655890"/>
-            <a:ext cx="5201175" cy="671119"/>
-          </a:xfrm>
-          <a:prstGeom prst="rect">
-            <a:avLst/>
-          </a:prstGeom>
-        </p:spPr>
-        <p:style>
-          <a:lnRef idx="2">
-            <a:schemeClr val="dk1"/>
-          </a:lnRef>
-          <a:fillRef idx="1">
-            <a:schemeClr val="lt1"/>
-          </a:fillRef>
-          <a:effectRef idx="0">
-            <a:schemeClr val="dk1"/>
-          </a:effectRef>
-          <a:fontRef idx="minor">
-            <a:schemeClr val="dk1"/>
-          </a:fontRef>
-        </p:style>
-        <p:txBody>
-          <a:bodyPr rtlCol="0" anchor="ctr"/>
-          <a:lstStyle/>
-          <a:p>
-            <a:pPr algn="ctr"/>
-            <a:r>
-              <a:rPr lang="en-US" dirty="0"/>
-              <a:t>Probability of target class (Skin Disease)</a:t>
-            </a:r>
-          </a:p>
-          <a:p>
-            <a:pPr algn="ctr"/>
-            <a:r>
-              <a:rPr lang="en-US" dirty="0"/>
-              <a:t>** Here classify the  seven classes of disease</a:t>
-            </a:r>
-          </a:p>
-        </p:txBody>
-      </p:sp>
-      <p:sp>
-        <p:nvSpPr>
-          <p:cNvPr id="15" name="TextBox 14">
-            <a:extLst>
-              <a:ext uri="{FF2B5EF4-FFF2-40B4-BE49-F238E27FC236}">
-                <a16:creationId xmlns:a16="http://schemas.microsoft.com/office/drawing/2014/main" id="{A4869C92-A0A9-46F1-B522-893989953823}"/>
-              </a:ext>
-            </a:extLst>
-          </p:cNvPr>
-          <p:cNvSpPr txBox="1"/>
-          <p:nvPr/>
-        </p:nvSpPr>
-        <p:spPr>
-          <a:xfrm>
-            <a:off x="4806892" y="1263603"/>
-            <a:ext cx="7329881" cy="2308324"/>
-          </a:xfrm>
-          <a:prstGeom prst="rect">
-            <a:avLst/>
-          </a:prstGeom>
-        </p:spPr>
-        <p:style>
-          <a:lnRef idx="1">
-            <a:schemeClr val="accent6"/>
-          </a:lnRef>
-          <a:fillRef idx="2">
-            <a:schemeClr val="accent6"/>
-          </a:fillRef>
-          <a:effectRef idx="1">
-            <a:schemeClr val="accent6"/>
-          </a:effectRef>
-          <a:fontRef idx="minor">
-            <a:schemeClr val="dk1"/>
-          </a:fontRef>
-        </p:style>
-        <p:txBody>
-          <a:bodyPr wrap="square">
-            <a:spAutoFit/>
-          </a:bodyPr>
-          <a:lstStyle/>
-          <a:p>
-            <a:r>
-              <a:rPr lang="en-US" sz="1600" b="1" i="1" dirty="0"/>
-              <a:t>Classes of Skin lesion</a:t>
-            </a:r>
-          </a:p>
-          <a:p>
-            <a:pPr marL="342900" indent="-342900">
-              <a:buFont typeface="+mj-lt"/>
-              <a:buAutoNum type="arabicPeriod"/>
-            </a:pPr>
-            <a:r>
-              <a:rPr lang="en-US" sz="1600" dirty="0"/>
-              <a:t>'</a:t>
-            </a:r>
-            <a:r>
-              <a:rPr lang="en-US" sz="1600" dirty="0" err="1"/>
-              <a:t>akiec</a:t>
-            </a:r>
-            <a:r>
-              <a:rPr lang="en-US" sz="1600" dirty="0"/>
-              <a:t>, Actinic Keratoses (Solar Keratoses) or intraepithelial Carcinoma (Bowen’s disease)’,</a:t>
-            </a:r>
-          </a:p>
-          <a:p>
-            <a:pPr marL="342900" indent="-342900">
-              <a:buFont typeface="+mj-lt"/>
-              <a:buAutoNum type="arabicPeriod"/>
-            </a:pPr>
-            <a:r>
-              <a:rPr lang="en-US" sz="1600" dirty="0"/>
-              <a:t> 'bcc, Basal Cell Carcinoma’, </a:t>
-            </a:r>
-          </a:p>
-          <a:p>
-            <a:pPr marL="342900" indent="-342900">
-              <a:buFont typeface="+mj-lt"/>
-              <a:buAutoNum type="arabicPeriod"/>
-            </a:pPr>
-            <a:r>
-              <a:rPr lang="en-US" sz="1600" dirty="0"/>
-              <a:t> '</a:t>
-            </a:r>
-            <a:r>
-              <a:rPr lang="en-US" sz="1600" dirty="0" err="1"/>
-              <a:t>bkl</a:t>
-            </a:r>
-            <a:r>
-              <a:rPr lang="en-US" sz="1600" dirty="0"/>
-              <a:t>, Benign Keratosis’, </a:t>
-            </a:r>
-          </a:p>
-          <a:p>
-            <a:pPr marL="342900" indent="-342900">
-              <a:buFont typeface="+mj-lt"/>
-              <a:buAutoNum type="arabicPeriod"/>
-            </a:pPr>
-            <a:r>
-              <a:rPr lang="en-US" sz="1600" dirty="0"/>
-              <a:t> 'df, Dermatofibroma’,  </a:t>
-            </a:r>
-          </a:p>
-          <a:p>
-            <a:pPr marL="342900" indent="-342900">
-              <a:buFont typeface="+mj-lt"/>
-              <a:buAutoNum type="arabicPeriod"/>
-            </a:pPr>
-            <a:r>
-              <a:rPr lang="en-US" sz="1600" dirty="0"/>
-              <a:t> '</a:t>
-            </a:r>
-            <a:r>
-              <a:rPr lang="en-US" sz="1600" dirty="0" err="1"/>
-              <a:t>mel</a:t>
-            </a:r>
-            <a:r>
-              <a:rPr lang="en-US" sz="1600" dirty="0"/>
-              <a:t>, Melanoma’,  </a:t>
-            </a:r>
-          </a:p>
-          <a:p>
-            <a:pPr marL="342900" indent="-342900">
-              <a:buFont typeface="+mj-lt"/>
-              <a:buAutoNum type="arabicPeriod"/>
-            </a:pPr>
-            <a:r>
-              <a:rPr lang="en-US" sz="1600" dirty="0"/>
-              <a:t> '</a:t>
-            </a:r>
-            <a:r>
-              <a:rPr lang="en-US" sz="1600" dirty="0" err="1"/>
-              <a:t>nv</a:t>
-            </a:r>
-            <a:r>
-              <a:rPr lang="en-US" sz="1600" dirty="0"/>
-              <a:t>, Melanocytic Nevi’,  </a:t>
-            </a:r>
-          </a:p>
-          <a:p>
-            <a:pPr marL="342900" indent="-342900">
-              <a:buFont typeface="+mj-lt"/>
-              <a:buAutoNum type="arabicPeriod"/>
-            </a:pPr>
-            <a:r>
-              <a:rPr lang="en-US" sz="1600" dirty="0"/>
-              <a:t> '</a:t>
-            </a:r>
-            <a:r>
-              <a:rPr lang="en-US" sz="1600" dirty="0" err="1"/>
-              <a:t>vasc</a:t>
-            </a:r>
-            <a:r>
-              <a:rPr lang="en-US" sz="1600" dirty="0"/>
-              <a:t>, Vascular skin lesion'</a:t>
-            </a:r>
-          </a:p>
-        </p:txBody>
-      </p:sp>
-    </p:spTree>
-    <p:extLst>
-      <p:ext uri="{BB962C8B-B14F-4D97-AF65-F5344CB8AC3E}">
-        <p14:creationId xmlns:p14="http://schemas.microsoft.com/office/powerpoint/2010/main" val="2826936019"/>
       </p:ext>
     </p:extLst>
   </p:cSld>
